--- a/lecture-materials/Security/what_is_ddos/ddos.pptx
+++ b/lecture-materials/Security/what_is_ddos/ddos.pptx
@@ -3285,7 +3285,7 @@
           <a:p>
             <a:fld id="{34C0065C-0D06-E144-B543-D2BE69AD4426}" type="datetimeFigureOut">
               <a:rPr lang="en-CH" smtClean="0"/>
-              <a:t>26.12.2023</a:t>
+              <a:t>14.02.2024</a:t>
             </a:fld>
             <a:endParaRPr lang="en-CH"/>
           </a:p>
@@ -4222,7 +4222,7 @@
           <a:p>
             <a:fld id="{4EC174A4-6EFC-9545-BB96-1AB0D1F6C82C}" type="datetimeFigureOut">
               <a:rPr lang="en-CH" smtClean="0"/>
-              <a:t>26.12.2023</a:t>
+              <a:t>14.02.2024</a:t>
             </a:fld>
             <a:endParaRPr lang="en-CH"/>
           </a:p>
@@ -4422,7 +4422,7 @@
           <a:p>
             <a:fld id="{4EC174A4-6EFC-9545-BB96-1AB0D1F6C82C}" type="datetimeFigureOut">
               <a:rPr lang="en-CH" smtClean="0"/>
-              <a:t>26.12.2023</a:t>
+              <a:t>14.02.2024</a:t>
             </a:fld>
             <a:endParaRPr lang="en-CH"/>
           </a:p>
@@ -4632,7 +4632,7 @@
           <a:p>
             <a:fld id="{4EC174A4-6EFC-9545-BB96-1AB0D1F6C82C}" type="datetimeFigureOut">
               <a:rPr lang="en-CH" smtClean="0"/>
-              <a:t>26.12.2023</a:t>
+              <a:t>14.02.2024</a:t>
             </a:fld>
             <a:endParaRPr lang="en-CH"/>
           </a:p>
@@ -5231,7 +5231,7 @@
           <a:p>
             <a:fld id="{4EC174A4-6EFC-9545-BB96-1AB0D1F6C82C}" type="datetimeFigureOut">
               <a:rPr lang="en-CH" smtClean="0"/>
-              <a:t>26.12.2023</a:t>
+              <a:t>14.02.2024</a:t>
             </a:fld>
             <a:endParaRPr lang="en-CH"/>
           </a:p>
@@ -5507,7 +5507,7 @@
           <a:p>
             <a:fld id="{4EC174A4-6EFC-9545-BB96-1AB0D1F6C82C}" type="datetimeFigureOut">
               <a:rPr lang="en-CH" smtClean="0"/>
-              <a:t>26.12.2023</a:t>
+              <a:t>14.02.2024</a:t>
             </a:fld>
             <a:endParaRPr lang="en-CH"/>
           </a:p>
@@ -5775,7 +5775,7 @@
           <a:p>
             <a:fld id="{4EC174A4-6EFC-9545-BB96-1AB0D1F6C82C}" type="datetimeFigureOut">
               <a:rPr lang="en-CH" smtClean="0"/>
-              <a:t>26.12.2023</a:t>
+              <a:t>14.02.2024</a:t>
             </a:fld>
             <a:endParaRPr lang="en-CH"/>
           </a:p>
@@ -6190,7 +6190,7 @@
           <a:p>
             <a:fld id="{4EC174A4-6EFC-9545-BB96-1AB0D1F6C82C}" type="datetimeFigureOut">
               <a:rPr lang="en-CH" smtClean="0"/>
-              <a:t>26.12.2023</a:t>
+              <a:t>14.02.2024</a:t>
             </a:fld>
             <a:endParaRPr lang="en-CH"/>
           </a:p>
@@ -6332,7 +6332,7 @@
           <a:p>
             <a:fld id="{4EC174A4-6EFC-9545-BB96-1AB0D1F6C82C}" type="datetimeFigureOut">
               <a:rPr lang="en-CH" smtClean="0"/>
-              <a:t>26.12.2023</a:t>
+              <a:t>14.02.2024</a:t>
             </a:fld>
             <a:endParaRPr lang="en-CH"/>
           </a:p>
@@ -6445,7 +6445,7 @@
           <a:p>
             <a:fld id="{4EC174A4-6EFC-9545-BB96-1AB0D1F6C82C}" type="datetimeFigureOut">
               <a:rPr lang="en-CH" smtClean="0"/>
-              <a:t>26.12.2023</a:t>
+              <a:t>14.02.2024</a:t>
             </a:fld>
             <a:endParaRPr lang="en-CH"/>
           </a:p>
@@ -6758,7 +6758,7 @@
           <a:p>
             <a:fld id="{4EC174A4-6EFC-9545-BB96-1AB0D1F6C82C}" type="datetimeFigureOut">
               <a:rPr lang="en-CH" smtClean="0"/>
-              <a:t>26.12.2023</a:t>
+              <a:t>14.02.2024</a:t>
             </a:fld>
             <a:endParaRPr lang="en-CH"/>
           </a:p>
@@ -7047,7 +7047,7 @@
           <a:p>
             <a:fld id="{4EC174A4-6EFC-9545-BB96-1AB0D1F6C82C}" type="datetimeFigureOut">
               <a:rPr lang="en-CH" smtClean="0"/>
-              <a:t>26.12.2023</a:t>
+              <a:t>14.02.2024</a:t>
             </a:fld>
             <a:endParaRPr lang="en-CH"/>
           </a:p>
@@ -7290,7 +7290,7 @@
           <a:p>
             <a:fld id="{4EC174A4-6EFC-9545-BB96-1AB0D1F6C82C}" type="datetimeFigureOut">
               <a:rPr lang="en-CH" smtClean="0"/>
-              <a:t>26.12.2023</a:t>
+              <a:t>14.02.2024</a:t>
             </a:fld>
             <a:endParaRPr lang="en-CH"/>
           </a:p>
@@ -15699,7 +15699,7 @@
         </p:spPr>
         <p:txBody>
           <a:bodyPr vert="horz" lIns="91440" tIns="45720" rIns="91440" bIns="45720" rtlCol="0" anchor="t">
-            <a:normAutofit/>
+            <a:normAutofit fontScale="92500"/>
           </a:bodyPr>
           <a:lstStyle/>
           <a:p>
@@ -15737,7 +15737,33 @@
               <a:rPr lang="en-GB" sz="1400" b="0" i="0" dirty="0">
                 <a:effectLst/>
               </a:rPr>
-              <a:t>: The attacker sends packets to the TCP middlebox. These packets are "forged" in the sense that they carry a </a:t>
+              <a:t>: </a:t>
+            </a:r>
+          </a:p>
+          <a:p>
+            <a:pPr lvl="1">
+              <a:lnSpc>
+                <a:spcPct val="100000"/>
+              </a:lnSpc>
+            </a:pPr>
+            <a:r>
+              <a:rPr lang="en-GB" sz="1400" b="0" i="0" dirty="0">
+                <a:effectLst/>
+              </a:rPr>
+              <a:t>The attacker sends packets to the TCP middlebox. </a:t>
+            </a:r>
+          </a:p>
+          <a:p>
+            <a:pPr lvl="1">
+              <a:lnSpc>
+                <a:spcPct val="100000"/>
+              </a:lnSpc>
+            </a:pPr>
+            <a:r>
+              <a:rPr lang="en-GB" sz="1400" b="0" i="0" dirty="0">
+                <a:effectLst/>
+              </a:rPr>
+              <a:t>These packets are "forged" in the sense that they carry a </a:t>
             </a:r>
             <a:r>
               <a:rPr lang="en-GB" sz="1400" b="1" i="0" dirty="0">
@@ -15780,7 +15806,20 @@
               <a:rPr lang="en-GB" sz="1400" b="0" i="0" dirty="0">
                 <a:effectLst/>
               </a:rPr>
-              <a:t>: In the </a:t>
+              <a:t>: </a:t>
+            </a:r>
+          </a:p>
+          <a:p>
+            <a:pPr lvl="1">
+              <a:lnSpc>
+                <a:spcPct val="100000"/>
+              </a:lnSpc>
+            </a:pPr>
+            <a:r>
+              <a:rPr lang="en-GB" sz="1400" b="0" i="0" dirty="0">
+                <a:effectLst/>
+              </a:rPr>
+              <a:t>In the </a:t>
             </a:r>
             <a:r>
               <a:rPr lang="en-GB" sz="1400" b="0" i="0" dirty="0" err="1">
@@ -15792,7 +15831,33 @@
               <a:rPr lang="en-GB" sz="1400" b="0" i="0" dirty="0">
                 <a:effectLst/>
               </a:rPr>
-              <a:t> of the diagram is the TCP middlebox, often a firewall. This device is supposed to inspect and control the flow of network traffic. However, in this scenario, it's tricked by the forged packets from the attacker.</a:t>
+              <a:t> of the diagram is the TCP middlebox, often a firewall. </a:t>
+            </a:r>
+          </a:p>
+          <a:p>
+            <a:pPr lvl="1">
+              <a:lnSpc>
+                <a:spcPct val="100000"/>
+              </a:lnSpc>
+            </a:pPr>
+            <a:r>
+              <a:rPr lang="en-GB" sz="1400" b="0" i="0" dirty="0">
+                <a:effectLst/>
+              </a:rPr>
+              <a:t>This device is supposed to inspect and control the flow of network traffic. </a:t>
+            </a:r>
+          </a:p>
+          <a:p>
+            <a:pPr lvl="1">
+              <a:lnSpc>
+                <a:spcPct val="100000"/>
+              </a:lnSpc>
+            </a:pPr>
+            <a:r>
+              <a:rPr lang="en-GB" sz="1400" b="0" i="0" dirty="0">
+                <a:effectLst/>
+              </a:rPr>
+              <a:t>However, in this scenario, it's tricked by the forged packets from the attacker.</a:t>
             </a:r>
           </a:p>
           <a:p>
@@ -15811,7 +15876,46 @@
               <a:rPr lang="en-GB" sz="1400" b="0" i="0" dirty="0">
                 <a:effectLst/>
               </a:rPr>
-              <a:t>: The TCP middlebox, deceived by the forged source IP in the packets, sends a response to what it believes is the initiating source. However, since the source IP is forged, this traffic is sent to the victim's network. This response is typically larger in volume compared to the initial packets sent by the attacker, creating an amplification effect.</a:t>
+              <a:t>: </a:t>
+            </a:r>
+          </a:p>
+          <a:p>
+            <a:pPr lvl="1">
+              <a:lnSpc>
+                <a:spcPct val="100000"/>
+              </a:lnSpc>
+            </a:pPr>
+            <a:r>
+              <a:rPr lang="en-GB" sz="1400" b="0" i="0" dirty="0">
+                <a:effectLst/>
+              </a:rPr>
+              <a:t>The TCP middlebox, deceived by the forged source IP in the packets, sends a response to what it believes is the initiating source. </a:t>
+            </a:r>
+          </a:p>
+          <a:p>
+            <a:pPr lvl="1">
+              <a:lnSpc>
+                <a:spcPct val="100000"/>
+              </a:lnSpc>
+            </a:pPr>
+            <a:r>
+              <a:rPr lang="en-GB" sz="1400" b="0" i="0" dirty="0">
+                <a:effectLst/>
+              </a:rPr>
+              <a:t>However, since the source IP is forged, this traffic is sent to the victim's network. </a:t>
+            </a:r>
+          </a:p>
+          <a:p>
+            <a:pPr lvl="1">
+              <a:lnSpc>
+                <a:spcPct val="100000"/>
+              </a:lnSpc>
+            </a:pPr>
+            <a:r>
+              <a:rPr lang="en-GB" sz="1400" b="0" i="0" dirty="0">
+                <a:effectLst/>
+              </a:rPr>
+              <a:t>This response is typically larger in volume compared to the initial packets sent by the attacker, creating an amplification effect.</a:t>
             </a:r>
           </a:p>
           <a:p>
@@ -15830,21 +15934,34 @@
               <a:rPr lang="en-GB" sz="1400" b="0" i="0" dirty="0">
                 <a:effectLst/>
               </a:rPr>
-              <a:t>: On the right side of the diagram, the victim's network receives the unwanted, amplified traffic. This can overwhelm the network's resources, leading to a denial of service.</a:t>
-            </a:r>
-          </a:p>
-          <a:p>
-            <a:pPr indent="-228600">
+              <a:t>: </a:t>
+            </a:r>
+          </a:p>
+          <a:p>
+            <a:pPr lvl="1">
               <a:lnSpc>
                 <a:spcPct val="100000"/>
               </a:lnSpc>
-              <a:spcAft>
-                <a:spcPts val="600"/>
-              </a:spcAft>
-              <a:buFont typeface="Arial" panose="020B0604020202020204" pitchFamily="34" charset="0"/>
-              <a:buChar char="•"/>
             </a:pPr>
-            <a:endParaRPr lang="en-US" sz="1800" dirty="0"/>
+            <a:r>
+              <a:rPr lang="en-GB" sz="1400" b="0" i="0" dirty="0">
+                <a:effectLst/>
+              </a:rPr>
+              <a:t>On the right side of the diagram, the victim's network receives the unwanted, amplified traffic. </a:t>
+            </a:r>
+          </a:p>
+          <a:p>
+            <a:pPr lvl="1">
+              <a:lnSpc>
+                <a:spcPct val="100000"/>
+              </a:lnSpc>
+            </a:pPr>
+            <a:r>
+              <a:rPr lang="en-GB" sz="1400" b="0" i="0" dirty="0">
+                <a:effectLst/>
+              </a:rPr>
+              <a:t>This can overwhelm the network's resources, leading to a denial of service.</a:t>
+            </a:r>
           </a:p>
         </p:txBody>
       </p:sp>
@@ -19423,7 +19540,7 @@
               </a:spcBef>
             </a:pPr>
             <a:r>
-              <a:rPr lang="en-US" sz="5000" kern="1200">
+              <a:rPr lang="en-US" sz="5000" kern="1200" dirty="0">
                 <a:solidFill>
                   <a:schemeClr val="tx1"/>
                 </a:solidFill>
@@ -19431,7 +19548,29 @@
                 <a:ea typeface="+mj-ea"/>
                 <a:cs typeface="+mj-cs"/>
               </a:rPr>
-              <a:t>AWS Best Practices for Ddos Resiliency</a:t>
+              <a:t>AWS Best Practices for </a:t>
+            </a:r>
+            <a:r>
+              <a:rPr lang="en-US" sz="5000" kern="1200" dirty="0" err="1">
+                <a:solidFill>
+                  <a:schemeClr val="tx1"/>
+                </a:solidFill>
+                <a:latin typeface="+mj-lt"/>
+                <a:ea typeface="+mj-ea"/>
+                <a:cs typeface="+mj-cs"/>
+              </a:rPr>
+              <a:t>Ddos</a:t>
+            </a:r>
+            <a:r>
+              <a:rPr lang="en-US" sz="5000" kern="1200" dirty="0">
+                <a:solidFill>
+                  <a:schemeClr val="tx1"/>
+                </a:solidFill>
+                <a:latin typeface="+mj-lt"/>
+                <a:ea typeface="+mj-ea"/>
+                <a:cs typeface="+mj-cs"/>
+              </a:rPr>
+              <a:t> Resiliency</a:t>
             </a:r>
           </a:p>
         </p:txBody>
@@ -20470,7 +20609,7 @@
               </a:spcBef>
             </a:pPr>
             <a:r>
-              <a:rPr lang="en-US" sz="5400" b="0" i="0" kern="1200">
+              <a:rPr lang="en-US" sz="5400" b="0" i="0" kern="1200" dirty="0">
                 <a:solidFill>
                   <a:schemeClr val="tx1"/>
                 </a:solidFill>
@@ -20481,7 +20620,7 @@
               </a:rPr>
               <a:t>Elastic Load Balancing (BP6)</a:t>
             </a:r>
-            <a:endParaRPr lang="en-US" sz="5400" kern="1200">
+            <a:endParaRPr lang="en-US" sz="5400" kern="1200" dirty="0">
               <a:solidFill>
                 <a:schemeClr val="tx1"/>
               </a:solidFill>
@@ -21166,7 +21305,7 @@
               <a:buChar char="•"/>
             </a:pPr>
             <a:r>
-              <a:rPr lang="en-US" sz="1500" b="0" i="0">
+              <a:rPr lang="en-US" sz="1500" b="0" i="0" dirty="0">
                 <a:effectLst/>
               </a:rPr>
               <a:t>For web applications, you can use the Application Load Balancer to route traffic based on content and accept only well-formed web requests.</a:t>
@@ -21181,7 +21320,7 @@
               <a:buChar char="•"/>
             </a:pPr>
             <a:r>
-              <a:rPr lang="en-US" sz="1500" b="0" i="0">
+              <a:rPr lang="en-US" sz="1500" b="0" i="0" dirty="0">
                 <a:effectLst/>
               </a:rPr>
               <a:t>Application Load Balancer blocks many common DDoS attacks, such as SYN floods or UDP reflection attacks, protecting your application from the attack. </a:t>
@@ -21196,19 +21335,19 @@
               <a:buChar char="•"/>
             </a:pPr>
             <a:r>
-              <a:rPr lang="en-US" sz="1500" b="0" i="0">
+              <a:rPr lang="en-US" sz="1500" b="0" i="0" dirty="0">
                 <a:effectLst/>
               </a:rPr>
               <a:t>Application Load Balancer </a:t>
             </a:r>
             <a:r>
-              <a:rPr lang="en-US" sz="1500" b="1" i="0">
+              <a:rPr lang="en-US" sz="1500" b="1" i="0" dirty="0">
                 <a:effectLst/>
               </a:rPr>
               <a:t>automatically scales </a:t>
             </a:r>
             <a:r>
-              <a:rPr lang="en-US" sz="1500" b="0" i="0">
+              <a:rPr lang="en-US" sz="1500" b="0" i="0" dirty="0">
                 <a:effectLst/>
               </a:rPr>
               <a:t>to absorb the additional traffic when these types of attacks are detected. </a:t>
@@ -21223,7 +21362,7 @@
               <a:buChar char="•"/>
             </a:pPr>
             <a:r>
-              <a:rPr lang="en-US" sz="1500" b="1" i="0">
+              <a:rPr lang="en-US" sz="1500" b="1" i="0" dirty="0">
                 <a:effectLst/>
               </a:rPr>
               <a:t>Scaling activities due to infrastructure layer attacks are transparent for AWS customers and do not affect your bill.</a:t>
@@ -21238,7 +21377,7 @@
               <a:buChar char="•"/>
             </a:pPr>
             <a:r>
-              <a:rPr lang="en-US" sz="1500" b="0" i="0">
+              <a:rPr lang="en-US" sz="1500" b="0" i="0" dirty="0">
                 <a:effectLst/>
               </a:rPr>
               <a:t>For non HTTP/HTTPS applications, you can use Network Load Balancer to route traffic to targets (for example, Amazon EC2 instances) at ultra-low latency. </a:t>
@@ -21253,7 +21392,7 @@
               <a:buChar char="•"/>
             </a:pPr>
             <a:r>
-              <a:rPr lang="en-US" sz="1500" b="0" i="0">
+              <a:rPr lang="en-US" sz="1500" b="0" i="0" dirty="0">
                 <a:effectLst/>
               </a:rPr>
               <a:t>One key consideration with Network Load Balancer is that any TCP SYN or UDP traffic that reaches the load balancer on a valid listener will be routed to your targets, not absorbed, however this does not apply for TLS-listeners which terminate the TCP connection. </a:t>
@@ -21268,7 +21407,7 @@
               <a:buChar char="•"/>
             </a:pPr>
             <a:r>
-              <a:rPr lang="en-US" sz="1500" b="1" i="0">
+              <a:rPr lang="en-US" sz="1500" b="1" i="0" dirty="0">
                 <a:effectLst/>
               </a:rPr>
               <a:t>For Network Load Balancers with TCP listeners AWS recommends deploying Global Accelerator to protect against SYN flood.</a:t>
@@ -21283,12 +21422,12 @@
               <a:buChar char="•"/>
             </a:pPr>
             <a:r>
-              <a:rPr lang="en-US" sz="1500" b="0" i="0">
+              <a:rPr lang="en-US" sz="1500" b="0" i="0" dirty="0">
                 <a:effectLst/>
               </a:rPr>
               <a:t>You can use Shield Advanced to configure DDoS protection for Elastic IP addresses. When an Elastic IP address is assigned per Availability Zone to the Network Load Balancer, Shield Advanced will apply the relevant DDoS protections for the Network Load Balancer traffic.</a:t>
             </a:r>
-            <a:endParaRPr lang="en-US" sz="1500"/>
+            <a:endParaRPr lang="en-US" sz="1500" dirty="0"/>
           </a:p>
         </p:txBody>
       </p:sp>
@@ -21424,7 +21563,7 @@
               </a:spcBef>
             </a:pPr>
             <a:r>
-              <a:rPr lang="en-US" sz="5400" b="0" i="0" kern="1200">
+              <a:rPr lang="en-US" sz="5400" b="0" i="0" kern="1200" dirty="0">
                 <a:solidFill>
                   <a:schemeClr val="tx1"/>
                 </a:solidFill>
@@ -21435,7 +21574,7 @@
               </a:rPr>
               <a:t>Elastic Load Balancing (BP6)</a:t>
             </a:r>
-            <a:endParaRPr lang="en-US" sz="5400" kern="1200">
+            <a:endParaRPr lang="en-US" sz="5400" kern="1200" dirty="0">
               <a:solidFill>
                 <a:schemeClr val="tx1"/>
               </a:solidFill>
@@ -22102,8 +22241,8 @@
         </p:nvSpPr>
         <p:spPr>
           <a:xfrm>
-            <a:off x="838200" y="1929384"/>
-            <a:ext cx="10515600" cy="4251960"/>
+            <a:off x="838200" y="1929383"/>
+            <a:ext cx="10515600" cy="4563491"/>
           </a:xfrm>
         </p:spPr>
         <p:txBody>
@@ -22120,42 +22259,42 @@
               <a:buChar char="•"/>
             </a:pPr>
             <a:r>
-              <a:rPr lang="en-US" sz="1100" b="0" i="0" dirty="0">
+              <a:rPr lang="en-US" sz="1200" b="0" i="0" dirty="0">
                 <a:effectLst/>
               </a:rPr>
               <a:t>https://</a:t>
             </a:r>
             <a:r>
-              <a:rPr lang="en-US" sz="1100" b="0" i="0" dirty="0" err="1">
+              <a:rPr lang="en-US" sz="1200" b="0" i="0" dirty="0" err="1">
                 <a:effectLst/>
               </a:rPr>
               <a:t>docs.aws.amazon.com</a:t>
             </a:r>
             <a:r>
-              <a:rPr lang="en-US" sz="1100" b="0" i="0" dirty="0">
+              <a:rPr lang="en-US" sz="1200" b="0" i="0" dirty="0">
                 <a:effectLst/>
               </a:rPr>
               <a:t>/AWSEC2/latest/</a:t>
             </a:r>
             <a:r>
-              <a:rPr lang="en-US" sz="1100" b="0" i="0" dirty="0" err="1">
+              <a:rPr lang="en-US" sz="1200" b="0" i="0" dirty="0" err="1">
                 <a:effectLst/>
               </a:rPr>
               <a:t>UserGuide</a:t>
             </a:r>
             <a:r>
-              <a:rPr lang="en-US" sz="1100" b="0" i="0" dirty="0">
+              <a:rPr lang="en-US" sz="1200" b="0" i="0" dirty="0">
                 <a:effectLst/>
               </a:rPr>
               <a:t>/</a:t>
             </a:r>
             <a:r>
-              <a:rPr lang="en-US" sz="1100" b="0" i="0" dirty="0" err="1">
+              <a:rPr lang="en-US" sz="1200" b="0" i="0" dirty="0" err="1">
                 <a:effectLst/>
               </a:rPr>
               <a:t>security-group-connection-tracking.html#untracked-connections</a:t>
             </a:r>
-            <a:endParaRPr lang="en-US" sz="1100" b="1" i="0" dirty="0">
+            <a:endParaRPr lang="en-US" sz="1200" b="1" i="0" dirty="0">
               <a:effectLst/>
             </a:endParaRPr>
           </a:p>
@@ -22168,13 +22307,13 @@
               <a:buChar char="•"/>
             </a:pPr>
             <a:r>
-              <a:rPr lang="en-US" sz="1100" b="1" i="0" dirty="0">
+              <a:rPr lang="en-US" sz="1200" b="1" i="0" dirty="0">
                 <a:effectLst/>
               </a:rPr>
               <a:t>Security Groups and Connection Tracking</a:t>
             </a:r>
             <a:r>
-              <a:rPr lang="en-US" sz="1100" b="0" i="0" dirty="0">
+              <a:rPr lang="en-US" sz="1200" b="0" i="0" dirty="0">
                 <a:effectLst/>
               </a:rPr>
               <a:t>:</a:t>
@@ -22189,7 +22328,7 @@
               <a:buChar char="•"/>
             </a:pPr>
             <a:r>
-              <a:rPr lang="en-US" sz="1100" b="0" i="0" dirty="0">
+              <a:rPr lang="en-US" sz="1200" b="0" i="0" dirty="0">
                 <a:effectLst/>
               </a:rPr>
               <a:t>Security groups control inbound and outbound traffic to AWS resources. They can be configured to allow traffic from any IP address, but this means they need to keep track of each connection to ensure that response traffic is allowed back out. This is known as connection tracking.</a:t>
@@ -22204,13 +22343,13 @@
               <a:buChar char="•"/>
             </a:pPr>
             <a:r>
-              <a:rPr lang="en-US" sz="1100" b="1" i="0" dirty="0">
+              <a:rPr lang="en-US" sz="1200" b="1" i="0" dirty="0">
                 <a:effectLst/>
               </a:rPr>
               <a:t>Impact on Load Balancers</a:t>
             </a:r>
             <a:r>
-              <a:rPr lang="en-US" sz="1100" b="0" i="0" dirty="0">
+              <a:rPr lang="en-US" sz="1200" b="0" i="0" dirty="0">
                 <a:effectLst/>
               </a:rPr>
               <a:t>:</a:t>
@@ -22225,7 +22364,7 @@
               <a:buChar char="•"/>
             </a:pPr>
             <a:r>
-              <a:rPr lang="en-US" sz="1100" b="0" i="0" dirty="0">
+              <a:rPr lang="en-US" sz="1200" b="0" i="0" dirty="0">
                 <a:effectLst/>
               </a:rPr>
               <a:t>Connection tracking requires resources and memory. There is a limit to how many concurrent connections a security group can track.</a:t>
@@ -22240,7 +22379,7 @@
               <a:buChar char="•"/>
             </a:pPr>
             <a:r>
-              <a:rPr lang="en-US" sz="1100" b="0" i="0" dirty="0">
+              <a:rPr lang="en-US" sz="1200" b="0" i="0" dirty="0">
                 <a:effectLst/>
               </a:rPr>
               <a:t>If a load balancer is behind a security group that tracks connections, during a DDoS attack, the number of connections can quickly exhaust the tracking limits, preventing new legitimate connections from being established.</a:t>
@@ -22255,13 +22394,13 @@
               <a:buChar char="•"/>
             </a:pPr>
             <a:r>
-              <a:rPr lang="en-US" sz="1100" b="1" i="0" dirty="0">
+              <a:rPr lang="en-US" sz="1200" b="1" i="0" dirty="0">
                 <a:effectLst/>
               </a:rPr>
               <a:t>Configuring Security Groups for DDoS Resilience</a:t>
             </a:r>
             <a:r>
-              <a:rPr lang="en-US" sz="1100" b="0" i="0" dirty="0">
+              <a:rPr lang="en-US" sz="1200" b="0" i="0" dirty="0">
                 <a:effectLst/>
               </a:rPr>
               <a:t>:</a:t>
@@ -22276,7 +22415,7 @@
               <a:buChar char="•"/>
             </a:pPr>
             <a:r>
-              <a:rPr lang="en-US" sz="1100" b="0" i="0" dirty="0">
+              <a:rPr lang="en-US" sz="1200" b="0" i="0" dirty="0">
                 <a:effectLst/>
               </a:rPr>
               <a:t>To make an AWS load balancer more resilient to DDoS attacks, you can configure its security group to avoid using connection tracking.</a:t>
@@ -22291,7 +22430,7 @@
               <a:buChar char="•"/>
             </a:pPr>
             <a:r>
-              <a:rPr lang="en-US" sz="1100" b="0" i="0" dirty="0">
+              <a:rPr lang="en-US" sz="1200" b="0" i="0" dirty="0">
                 <a:effectLst/>
               </a:rPr>
               <a:t>This is done by setting both inbound and outbound rules to allow traffic from any IP address. By doing so, the response traffic is allowed by the security group rules directly, rather than relying on connection tracking.</a:t>
@@ -22306,7 +22445,7 @@
               <a:buChar char="•"/>
             </a:pPr>
             <a:r>
-              <a:rPr lang="en-US" sz="1100" b="0" i="0" dirty="0">
+              <a:rPr lang="en-US" sz="1200" b="0" i="0" dirty="0">
                 <a:effectLst/>
               </a:rPr>
               <a:t>This configuration allows load balancers like the Classic and Application Load Balancer to scale and handle traffic increases without being limited by connection tracking resources.</a:t>
@@ -22321,13 +22460,13 @@
               <a:buChar char="•"/>
             </a:pPr>
             <a:r>
-              <a:rPr lang="en-US" sz="1100" b="1" i="0" dirty="0">
+              <a:rPr lang="en-US" sz="1200" b="1" i="0" dirty="0">
                 <a:effectLst/>
               </a:rPr>
               <a:t>When Avoiding Connection Tracking is Beneficial</a:t>
             </a:r>
             <a:r>
-              <a:rPr lang="en-US" sz="1100" b="0" i="0" dirty="0">
+              <a:rPr lang="en-US" sz="1200" b="0" i="0" dirty="0">
                 <a:effectLst/>
               </a:rPr>
               <a:t>:</a:t>
@@ -22342,7 +22481,7 @@
               <a:buChar char="•"/>
             </a:pPr>
             <a:r>
-              <a:rPr lang="en-US" sz="1100" b="0" i="0" dirty="0">
+              <a:rPr lang="en-US" sz="1200" b="0" i="0" dirty="0">
                 <a:effectLst/>
               </a:rPr>
               <a:t>Avoiding connection tracking is particularly useful when the DDoS traffic comes from IP addresses that are allowed by the security group. If the attack originates from disallowed sources, it won't impact the connection tracking because these connections would be blocked outright.</a:t>
@@ -22357,13 +22496,13 @@
               <a:buChar char="•"/>
             </a:pPr>
             <a:r>
-              <a:rPr lang="en-US" sz="1100" b="1" i="0" dirty="0">
+              <a:rPr lang="en-US" sz="1200" b="1" i="0" dirty="0">
                 <a:effectLst/>
               </a:rPr>
               <a:t>When Connection Tracking is Not a Concern</a:t>
             </a:r>
             <a:r>
-              <a:rPr lang="en-US" sz="1100" b="0" i="0" dirty="0">
+              <a:rPr lang="en-US" sz="1200" b="0" i="0" dirty="0">
                 <a:effectLst/>
               </a:rPr>
               <a:t>:</a:t>
@@ -22378,12 +22517,12 @@
               <a:buChar char="•"/>
             </a:pPr>
             <a:r>
-              <a:rPr lang="en-US" sz="1100" b="0" i="0" dirty="0">
+              <a:rPr lang="en-US" sz="1200" b="0" i="0" dirty="0">
                 <a:effectLst/>
               </a:rPr>
               <a:t>If your security group is configured to allow traffic only from trusted sources (like a corporate firewall, VPN, or CDN), you may not need to avoid connection tracking because the likelihood of these trusted sources participating in a DDoS attack is low.</a:t>
             </a:r>
-            <a:endParaRPr lang="en-US" sz="1100" dirty="0"/>
+            <a:endParaRPr lang="en-US" sz="1200" dirty="0"/>
           </a:p>
           <a:p>
             <a:pPr marL="800100" lvl="1" indent="-228600">
@@ -22393,7 +22532,7 @@
               <a:buFont typeface="Arial" panose="020B0604020202020204" pitchFamily="34" charset="0"/>
               <a:buChar char="•"/>
             </a:pPr>
-            <a:endParaRPr lang="en-US" sz="1100" b="0" i="0" dirty="0">
+            <a:endParaRPr lang="en-US" sz="1200" b="0" i="0" dirty="0">
               <a:effectLst/>
             </a:endParaRPr>
           </a:p>
@@ -22531,7 +22670,7 @@
               </a:spcBef>
             </a:pPr>
             <a:r>
-              <a:rPr lang="en-US" sz="4600" b="0" i="0" kern="1200">
+              <a:rPr lang="en-US" sz="4600" b="0" i="0" kern="1200" dirty="0">
                 <a:solidFill>
                   <a:schemeClr val="tx1"/>
                 </a:solidFill>
@@ -22542,7 +22681,7 @@
               </a:rPr>
               <a:t>Domain name resolution at the edge (BP3)</a:t>
             </a:r>
-            <a:endParaRPr lang="en-US" sz="4600" kern="1200">
+            <a:endParaRPr lang="en-US" sz="4600" kern="1200" dirty="0">
               <a:solidFill>
                 <a:schemeClr val="tx1"/>
               </a:solidFill>
@@ -23227,7 +23366,7 @@
               <a:buChar char="•"/>
             </a:pPr>
             <a:r>
-              <a:rPr lang="en-US" sz="2200" b="0" i="0">
+              <a:rPr lang="en-US" sz="2200" b="0" i="0" dirty="0">
                 <a:effectLst/>
               </a:rPr>
               <a:t>Amazon Route 53 is a highly available and scalable Domain Name System (DNS) service that can be used to direct traffic to your web application. </a:t>
@@ -23242,7 +23381,7 @@
               <a:buChar char="•"/>
             </a:pPr>
             <a:r>
-              <a:rPr lang="en-US" sz="2200" b="0" i="0">
+              <a:rPr lang="en-US" sz="2200" b="0" i="0" dirty="0">
                 <a:effectLst/>
               </a:rPr>
               <a:t>It's the only AWS service that has a 100% data plane availability SLA.</a:t>
@@ -23257,10 +23396,40 @@
               <a:buChar char="•"/>
             </a:pPr>
             <a:r>
-              <a:rPr lang="en-US" sz="2200" b="0" i="0">
+              <a:rPr lang="en-US" sz="2200" b="0" i="0" dirty="0">
                 <a:effectLst/>
               </a:rPr>
-              <a:t>An NXDOMAIN attack is a type of DDoS attack where an attacker queries a DNS server with random, non-existent subdomain requests. Since the subdomains don't exist, the server responds with NXDOMAIN (non-existent domain) responses. The volume of these queries can overwhelm the DNS server, leading to legitimate queries being dropped or delayed.</a:t>
+              <a:t>An NXDOMAIN attack is a type of DDoS attack where an attacker queries a DNS server with random, non-existent subdomain requests. </a:t>
+            </a:r>
+          </a:p>
+          <a:p>
+            <a:pPr indent="-228600">
+              <a:spcAft>
+                <a:spcPts val="600"/>
+              </a:spcAft>
+              <a:buFont typeface="Arial" panose="020B0604020202020204" pitchFamily="34" charset="0"/>
+              <a:buChar char="•"/>
+            </a:pPr>
+            <a:r>
+              <a:rPr lang="en-US" sz="2200" b="0" i="0" dirty="0">
+                <a:effectLst/>
+              </a:rPr>
+              <a:t>Since the subdomains don't exist, the server responds with NXDOMAIN (non-existent domain) responses. </a:t>
+            </a:r>
+          </a:p>
+          <a:p>
+            <a:pPr indent="-228600">
+              <a:spcAft>
+                <a:spcPts val="600"/>
+              </a:spcAft>
+              <a:buFont typeface="Arial" panose="020B0604020202020204" pitchFamily="34" charset="0"/>
+              <a:buChar char="•"/>
+            </a:pPr>
+            <a:r>
+              <a:rPr lang="en-US" sz="2200" b="0" i="0" dirty="0">
+                <a:effectLst/>
+              </a:rPr>
+              <a:t>The volume of these queries can overwhelm the DNS server, leading to legitimate queries being dropped or delayed.</a:t>
             </a:r>
           </a:p>
         </p:txBody>
@@ -24137,26 +24306,6 @@
               </a:rPr>
               <a:t>https://aws.amazon.com/ec2/testing/</a:t>
             </a:r>
-            <a:endParaRPr lang="en-US" sz="2200" dirty="0"/>
-          </a:p>
-          <a:p>
-            <a:pPr indent="-228600">
-              <a:spcAft>
-                <a:spcPts val="600"/>
-              </a:spcAft>
-              <a:buFont typeface="Arial" panose="020B0604020202020204" pitchFamily="34" charset="0"/>
-              <a:buChar char="•"/>
-            </a:pPr>
-            <a:endParaRPr lang="en-US" sz="2200" dirty="0"/>
-          </a:p>
-          <a:p>
-            <a:pPr indent="-228600">
-              <a:spcAft>
-                <a:spcPts val="600"/>
-              </a:spcAft>
-              <a:buFont typeface="Arial" panose="020B0604020202020204" pitchFamily="34" charset="0"/>
-              <a:buChar char="•"/>
-            </a:pPr>
             <a:endParaRPr lang="en-US" sz="2200" dirty="0"/>
           </a:p>
         </p:txBody>
@@ -29844,7 +29993,7 @@
         </p:spPr>
         <p:txBody>
           <a:bodyPr spcFirstLastPara="1" vert="horz" lIns="91440" tIns="45720" rIns="91440" bIns="45720" rtlCol="0" anchor="t" anchorCtr="0">
-            <a:normAutofit fontScale="92500" lnSpcReduction="10000"/>
+            <a:normAutofit fontScale="92500" lnSpcReduction="20000"/>
           </a:bodyPr>
           <a:lstStyle/>
           <a:p>
@@ -29853,8 +30002,11 @@
                 <a:spcPct val="110000"/>
               </a:lnSpc>
               <a:spcBef>
-                <a:spcPts val="1333"/>
+                <a:spcPts val="200"/>
               </a:spcBef>
+              <a:spcAft>
+                <a:spcPts val="200"/>
+              </a:spcAft>
               <a:buClr>
                 <a:schemeClr val="dk1"/>
               </a:buClr>
@@ -29863,7 +30015,7 @@
               <a:buChar char="•"/>
             </a:pPr>
             <a:r>
-              <a:rPr lang="en-US" sz="1200" dirty="0">
+              <a:rPr lang="en-US" sz="1400" dirty="0">
                 <a:highlight>
                   <a:srgbClr val="FFFFFF"/>
                 </a:highlight>
@@ -29877,8 +30029,11 @@
                 <a:spcPct val="110000"/>
               </a:lnSpc>
               <a:spcBef>
-                <a:spcPts val="1333"/>
+                <a:spcPts val="200"/>
               </a:spcBef>
+              <a:spcAft>
+                <a:spcPts val="200"/>
+              </a:spcAft>
               <a:buClr>
                 <a:schemeClr val="dk1"/>
               </a:buClr>
@@ -29887,7 +30042,7 @@
               <a:buChar char="•"/>
             </a:pPr>
             <a:r>
-              <a:rPr lang="en-US" sz="1200" dirty="0">
+              <a:rPr lang="en-US" sz="1400" dirty="0">
                 <a:highlight>
                   <a:srgbClr val="FFFFFF"/>
                 </a:highlight>
@@ -29895,7 +30050,7 @@
               <a:t>For example, if a user enters </a:t>
             </a:r>
             <a:r>
-              <a:rPr lang="en-US" sz="1200" b="1" dirty="0">
+              <a:rPr lang="en-US" sz="1400" b="1" dirty="0">
                 <a:highlight>
                   <a:srgbClr val="FFFFFF"/>
                 </a:highlight>
@@ -29903,7 +30058,7 @@
               <a:t>http://</a:t>
             </a:r>
             <a:r>
-              <a:rPr lang="en-US" sz="1200" b="1" dirty="0" err="1">
+              <a:rPr lang="en-US" sz="1400" b="1" dirty="0" err="1">
                 <a:highlight>
                   <a:srgbClr val="FFFFFF"/>
                 </a:highlight>
@@ -29911,7 +30066,7 @@
               <a:t>www.xyz.com</a:t>
             </a:r>
             <a:r>
-              <a:rPr lang="en-US" sz="1200" b="1" dirty="0">
+              <a:rPr lang="en-US" sz="1400" b="1" dirty="0">
                 <a:highlight>
                   <a:srgbClr val="FFFFFF"/>
                 </a:highlight>
@@ -29919,7 +30074,7 @@
               <a:t>/learning/</a:t>
             </a:r>
             <a:r>
-              <a:rPr lang="en-US" sz="1200" dirty="0">
+              <a:rPr lang="en-US" sz="1400" dirty="0">
                 <a:highlight>
                   <a:srgbClr val="FFFFFF"/>
                 </a:highlight>
@@ -29927,7 +30082,7 @@
               <a:t> on their browser, an HTTP request is sent to the server, requesting the </a:t>
             </a:r>
             <a:r>
-              <a:rPr lang="en-US" sz="1200" b="1" i="1" dirty="0">
+              <a:rPr lang="en-US" sz="1400" b="1" i="1" dirty="0">
                 <a:highlight>
                   <a:srgbClr val="FFFFFF"/>
                 </a:highlight>
@@ -29935,12 +30090,12 @@
               <a:t>learning</a:t>
             </a:r>
             <a:r>
-              <a:rPr lang="en-US" sz="1200" dirty="0">
+              <a:rPr lang="en-US" sz="1400" dirty="0">
                 <a:highlight>
                   <a:srgbClr val="FFFFFF"/>
                 </a:highlight>
               </a:rPr>
-              <a:t> page. The server will fetch all the information related to the page, package it in a response, and send it back to the browser.</a:t>
+              <a:t> page. </a:t>
             </a:r>
           </a:p>
           <a:p>
@@ -29949,8 +30104,11 @@
                 <a:spcPct val="110000"/>
               </a:lnSpc>
               <a:spcBef>
-                <a:spcPts val="2000"/>
+                <a:spcPts val="200"/>
               </a:spcBef>
+              <a:spcAft>
+                <a:spcPts val="200"/>
+              </a:spcAft>
               <a:buClr>
                 <a:schemeClr val="dk1"/>
               </a:buClr>
@@ -29959,12 +30117,12 @@
               <a:buChar char="•"/>
             </a:pPr>
             <a:r>
-              <a:rPr lang="en-US" sz="1200" dirty="0">
+              <a:rPr lang="en-US" sz="1400" dirty="0">
                 <a:highlight>
                   <a:srgbClr val="FFFFFF"/>
                 </a:highlight>
               </a:rPr>
-              <a:t>This information fetching and packaging happens on the application layer. An application layer attack occurs when a hacker uses different bots/machines to repeatedly request the same resource from the server, eventually overwhelming it.</a:t>
+              <a:t>The server will fetch all the information related to the page, package it in a response, and send it back to the browser.</a:t>
             </a:r>
           </a:p>
           <a:p>
@@ -29973,8 +30131,11 @@
                 <a:spcPct val="110000"/>
               </a:lnSpc>
               <a:spcBef>
-                <a:spcPts val="2000"/>
+                <a:spcPts val="200"/>
               </a:spcBef>
+              <a:spcAft>
+                <a:spcPts val="200"/>
+              </a:spcAft>
               <a:buClr>
                 <a:schemeClr val="dk1"/>
               </a:buClr>
@@ -29983,28 +30144,12 @@
               <a:buChar char="•"/>
             </a:pPr>
             <a:r>
-              <a:rPr lang="en-US" sz="1200" dirty="0">
+              <a:rPr lang="en-US" sz="1400" dirty="0">
                 <a:highlight>
                   <a:srgbClr val="FFFFFF"/>
                 </a:highlight>
               </a:rPr>
-              <a:t>The most common type of application layer attacks are the </a:t>
-            </a:r>
-            <a:r>
-              <a:rPr lang="en-US" sz="1200" b="1" dirty="0">
-                <a:highlight>
-                  <a:srgbClr val="FFFFFF"/>
-                </a:highlight>
-              </a:rPr>
-              <a:t>HTTP flood </a:t>
-            </a:r>
-            <a:r>
-              <a:rPr lang="en-US" sz="1200" dirty="0">
-                <a:highlight>
-                  <a:srgbClr val="FFFFFF"/>
-                </a:highlight>
-              </a:rPr>
-              <a:t>attacks in which malicious actors just keep sending various HTTP requests to a server using different IP addresses. </a:t>
+              <a:t>This information fetching and packaging happens on the application layer. </a:t>
             </a:r>
           </a:p>
           <a:p>
@@ -30013,8 +30158,11 @@
                 <a:spcPct val="110000"/>
               </a:lnSpc>
               <a:spcBef>
-                <a:spcPts val="2000"/>
+                <a:spcPts val="200"/>
               </a:spcBef>
+              <a:spcAft>
+                <a:spcPts val="200"/>
+              </a:spcAft>
               <a:buClr>
                 <a:schemeClr val="dk1"/>
               </a:buClr>
@@ -30023,12 +30171,109 @@
               <a:buChar char="•"/>
             </a:pPr>
             <a:r>
-              <a:rPr lang="en-US" sz="1200" dirty="0">
+              <a:rPr lang="en-US" sz="1400" dirty="0">
                 <a:highlight>
                   <a:srgbClr val="FFFFFF"/>
                 </a:highlight>
               </a:rPr>
-              <a:t>One example of this is asking a server to generate PDF documents over and over again. Since the IP address and other identifiers change in every request, the server can’t detect that it’s being attacked.</a:t>
+              <a:t>An application layer attack occurs when a hacker uses different bots/machines to repeatedly request the same resource from the server, eventually overwhelming it.</a:t>
+            </a:r>
+          </a:p>
+          <a:p>
+            <a:pPr marL="0" indent="-228600">
+              <a:lnSpc>
+                <a:spcPct val="110000"/>
+              </a:lnSpc>
+              <a:spcBef>
+                <a:spcPts val="200"/>
+              </a:spcBef>
+              <a:spcAft>
+                <a:spcPts val="200"/>
+              </a:spcAft>
+              <a:buClr>
+                <a:schemeClr val="dk1"/>
+              </a:buClr>
+              <a:buSzPct val="73333"/>
+              <a:buFont typeface="Arial" panose="020B0604020202020204" pitchFamily="34" charset="0"/>
+              <a:buChar char="•"/>
+            </a:pPr>
+            <a:r>
+              <a:rPr lang="en-US" sz="1400" dirty="0">
+                <a:highlight>
+                  <a:srgbClr val="FFFFFF"/>
+                </a:highlight>
+              </a:rPr>
+              <a:t>The most common type of application layer attacks are the </a:t>
+            </a:r>
+            <a:r>
+              <a:rPr lang="en-US" sz="1400" b="1" dirty="0">
+                <a:highlight>
+                  <a:srgbClr val="FFFFFF"/>
+                </a:highlight>
+              </a:rPr>
+              <a:t>HTTP flood </a:t>
+            </a:r>
+            <a:r>
+              <a:rPr lang="en-US" sz="1400" dirty="0">
+                <a:highlight>
+                  <a:srgbClr val="FFFFFF"/>
+                </a:highlight>
+              </a:rPr>
+              <a:t>attacks in which malicious actors just keep sending various HTTP requests to a server using different IP addresses. </a:t>
+            </a:r>
+          </a:p>
+          <a:p>
+            <a:pPr marL="0" indent="-228600">
+              <a:lnSpc>
+                <a:spcPct val="110000"/>
+              </a:lnSpc>
+              <a:spcBef>
+                <a:spcPts val="200"/>
+              </a:spcBef>
+              <a:spcAft>
+                <a:spcPts val="200"/>
+              </a:spcAft>
+              <a:buClr>
+                <a:schemeClr val="dk1"/>
+              </a:buClr>
+              <a:buSzPct val="73333"/>
+              <a:buFont typeface="Arial" panose="020B0604020202020204" pitchFamily="34" charset="0"/>
+              <a:buChar char="•"/>
+            </a:pPr>
+            <a:r>
+              <a:rPr lang="en-US" sz="1400" dirty="0">
+                <a:highlight>
+                  <a:srgbClr val="FFFFFF"/>
+                </a:highlight>
+              </a:rPr>
+              <a:t>One example of this is asking a server to generate PDF documents over and over again. </a:t>
+            </a:r>
+          </a:p>
+          <a:p>
+            <a:pPr marL="0" indent="-228600">
+              <a:lnSpc>
+                <a:spcPct val="110000"/>
+              </a:lnSpc>
+              <a:spcBef>
+                <a:spcPts val="200"/>
+              </a:spcBef>
+              <a:spcAft>
+                <a:spcPts val="200"/>
+              </a:spcAft>
+              <a:buClr>
+                <a:schemeClr val="dk1"/>
+              </a:buClr>
+              <a:buSzPct val="73333"/>
+              <a:buFont typeface="Arial" panose="020B0604020202020204" pitchFamily="34" charset="0"/>
+              <a:buChar char="•"/>
+            </a:pPr>
+            <a:r>
+              <a:rPr lang="en-US" sz="1400" dirty="0">
+                <a:highlight>
+                  <a:srgbClr val="FFFFFF"/>
+                </a:highlight>
+              </a:rPr>
+              <a:t>Since the IP address and other identifiers change in every request, the server can’t detect that it’s being attacked.</a:t>
             </a:r>
           </a:p>
         </p:txBody>
